--- a/EjerciciosClases/FICHEROS/PROYECTO/Proyectos.pptx
+++ b/EjerciciosClases/FICHEROS/PROYECTO/Proyectos.pptx
@@ -12,6 +12,7 @@
     <p:sldId id="260" r:id="rId6"/>
     <p:sldId id="261" r:id="rId7"/>
     <p:sldId id="262" r:id="rId8"/>
+    <p:sldId id="263" r:id="rId9"/>
   </p:sldIdLst>
   <p:sldSz cx="12192000" cy="6858000"/>
   <p:notesSz cx="6858000" cy="9144000"/>
@@ -3900,6 +3901,7 @@
           <a:bodyPr/>
           <a:lstStyle/>
           <a:p>
+            <a:pPr algn="ctr"/>
             <a:r>
               <a:rPr lang="es-ES" dirty="0" smtClean="0"/>
               <a:t>Mi proyecto</a:t>
@@ -3925,21 +3927,58 @@
           <a:p>
             <a:r>
               <a:rPr lang="es-ES" dirty="0" smtClean="0"/>
-              <a:t>Se basa en dos proyectos (uno con ficheros binarios y otros con ficheros de texto)</a:t>
-            </a:r>
+              <a:t>Se basa en dos </a:t>
+            </a:r>
+            <a:r>
+              <a:rPr lang="es-ES" dirty="0" smtClean="0"/>
+              <a:t>proyectos, uno </a:t>
+            </a:r>
+            <a:r>
+              <a:rPr lang="es-ES" dirty="0" smtClean="0"/>
+              <a:t>con ficheros binarios y otros con ficheros de </a:t>
+            </a:r>
+            <a:r>
+              <a:rPr lang="es-ES" dirty="0" smtClean="0"/>
+              <a:t>texto:</a:t>
+            </a:r>
+            <a:endParaRPr lang="es-ES" dirty="0" smtClean="0"/>
           </a:p>
           <a:p>
             <a:pPr lvl="1"/>
             <a:r>
               <a:rPr lang="es-ES" dirty="0" smtClean="0"/>
-              <a:t>Binario: Se basa en gestión de personas </a:t>
+              <a:t>Binario: </a:t>
+            </a:r>
+            <a:r>
+              <a:rPr lang="es-ES" dirty="0" smtClean="0"/>
+              <a:t>se </a:t>
+            </a:r>
+            <a:r>
+              <a:rPr lang="es-ES" dirty="0" smtClean="0"/>
+              <a:t>basa en gestión de personas </a:t>
             </a:r>
           </a:p>
           <a:p>
             <a:pPr lvl="1"/>
             <a:r>
               <a:rPr lang="es-ES" dirty="0" smtClean="0"/>
-              <a:t>Texto: Se basa en la organización del personal de un catering (Camareros)</a:t>
+              <a:t>Texto: </a:t>
+            </a:r>
+            <a:r>
+              <a:rPr lang="es-ES" dirty="0" smtClean="0"/>
+              <a:t>se </a:t>
+            </a:r>
+            <a:r>
+              <a:rPr lang="es-ES" dirty="0" smtClean="0"/>
+              <a:t>basa en la organización del personal de un catering </a:t>
+            </a:r>
+            <a:r>
+              <a:rPr lang="es-ES" dirty="0" smtClean="0"/>
+              <a:t>(camareros</a:t>
+            </a:r>
+            <a:r>
+              <a:rPr lang="es-ES" dirty="0" smtClean="0"/>
+              <a:t>)</a:t>
             </a:r>
             <a:endParaRPr lang="es-ES" dirty="0"/>
           </a:p>
@@ -4021,9 +4060,18 @@
           <a:bodyPr/>
           <a:lstStyle/>
           <a:p>
-            <a:r>
-              <a:rPr lang="es-ES" dirty="0" smtClean="0"/>
-              <a:t>Ficheros binarios: Dificultades</a:t>
+            <a:pPr algn="ctr"/>
+            <a:r>
+              <a:rPr lang="es-ES" dirty="0" smtClean="0"/>
+              <a:t>Ficheros </a:t>
+            </a:r>
+            <a:r>
+              <a:rPr lang="es-ES" dirty="0" smtClean="0"/>
+              <a:t>binarios. </a:t>
+            </a:r>
+            <a:r>
+              <a:rPr lang="es-ES" dirty="0" smtClean="0"/>
+              <a:t>Dificultades</a:t>
             </a:r>
             <a:endParaRPr lang="es-ES" dirty="0"/>
           </a:p>
@@ -4055,13 +4103,25 @@
             </a:r>
             <a:r>
               <a:rPr lang="es-ES" dirty="0" smtClean="0"/>
-              <a:t>: Es una excepción que me ha mantenido bastante ocupado</a:t>
-            </a:r>
-          </a:p>
-          <a:p>
-            <a:r>
-              <a:rPr lang="es-ES" dirty="0" smtClean="0"/>
-              <a:t>Guardar cambios me resulto bastante complejo</a:t>
+              <a:t> es </a:t>
+            </a:r>
+            <a:r>
+              <a:rPr lang="es-ES" dirty="0" smtClean="0"/>
+              <a:t>una excepción que me ha mantenido bastante ocupado</a:t>
+            </a:r>
+          </a:p>
+          <a:p>
+            <a:r>
+              <a:rPr lang="es-ES" dirty="0" smtClean="0"/>
+              <a:t>Guardar cambios me </a:t>
+            </a:r>
+            <a:r>
+              <a:rPr lang="es-ES" dirty="0" smtClean="0"/>
+              <a:t>resultó </a:t>
+            </a:r>
+            <a:r>
+              <a:rPr lang="es-ES" dirty="0" smtClean="0"/>
+              <a:t>bastante complejo</a:t>
             </a:r>
           </a:p>
           <a:p>
@@ -4096,7 +4156,7 @@
         </p:blipFill>
         <p:spPr bwMode="auto">
           <a:xfrm>
-            <a:off x="4885945" y="4118064"/>
+            <a:off x="4885945" y="3860487"/>
             <a:ext cx="2572510" cy="2572511"/>
           </a:xfrm>
           <a:prstGeom prst="rect">
@@ -4166,9 +4226,14 @@
           <a:bodyPr/>
           <a:lstStyle/>
           <a:p>
-            <a:r>
-              <a:rPr lang="es-ES" dirty="0" smtClean="0"/>
-              <a:t>Ficheros de Texto: Dificultades</a:t>
+            <a:pPr algn="ctr"/>
+            <a:r>
+              <a:rPr lang="es-ES" dirty="0" smtClean="0"/>
+              <a:t>Ficheros de </a:t>
+            </a:r>
+            <a:r>
+              <a:rPr lang="es-ES" dirty="0" smtClean="0"/>
+              <a:t>Texto. Dificultades</a:t>
             </a:r>
             <a:endParaRPr lang="es-ES" dirty="0"/>
           </a:p>
@@ -4191,7 +4256,15 @@
           <a:p>
             <a:r>
               <a:rPr lang="es-ES" dirty="0" smtClean="0"/>
-              <a:t>Al principio no sabia como realizar el borrado por marca. La solución fue usar la clase </a:t>
+              <a:t>Al principio no </a:t>
+            </a:r>
+            <a:r>
+              <a:rPr lang="es-ES" dirty="0" smtClean="0"/>
+              <a:t>sabía </a:t>
+            </a:r>
+            <a:r>
+              <a:rPr lang="es-ES" dirty="0" smtClean="0"/>
+              <a:t>como realizar el borrado por marca. La solución fue usar la clase </a:t>
             </a:r>
             <a:r>
               <a:rPr lang="es-ES" dirty="0" err="1" smtClean="0"/>
@@ -4213,13 +4286,29 @@
             </a:r>
             <a:r>
               <a:rPr lang="es-ES" dirty="0" smtClean="0"/>
-              <a:t> esta casi en blanco porque su implementación era bastante compleja</a:t>
-            </a:r>
-          </a:p>
-          <a:p>
-            <a:r>
-              <a:rPr lang="es-ES" dirty="0" smtClean="0"/>
-              <a:t>El uso de </a:t>
+              <a:t> </a:t>
+            </a:r>
+            <a:r>
+              <a:rPr lang="es-ES" dirty="0" smtClean="0"/>
+              <a:t>está </a:t>
+            </a:r>
+            <a:r>
+              <a:rPr lang="es-ES" dirty="0" smtClean="0"/>
+              <a:t>casi en blanco porque su implementación era bastante compleja</a:t>
+            </a:r>
+          </a:p>
+          <a:p>
+            <a:r>
+              <a:rPr lang="es-ES" dirty="0"/>
+              <a:t>U</a:t>
+            </a:r>
+            <a:r>
+              <a:rPr lang="es-ES" dirty="0" smtClean="0"/>
+              <a:t>so </a:t>
+            </a:r>
+            <a:r>
+              <a:rPr lang="es-ES" dirty="0" smtClean="0"/>
+              <a:t>de </a:t>
             </a:r>
             <a:r>
               <a:rPr lang="es-ES" dirty="0" err="1" smtClean="0"/>
@@ -4317,6 +4406,7 @@
           <a:bodyPr/>
           <a:lstStyle/>
           <a:p>
+            <a:pPr algn="ctr"/>
             <a:r>
               <a:rPr lang="es-ES" dirty="0" smtClean="0"/>
               <a:t>Proyectos</a:t>
@@ -4342,7 +4432,15 @@
           <a:p>
             <a:r>
               <a:rPr lang="es-ES" dirty="0" smtClean="0"/>
-              <a:t>Ambos se basan en realizar gestiones. Por lo tanto tienen funcionalidades similares:	</a:t>
+              <a:t>Ambos se basan en realizar gestiones. </a:t>
+            </a:r>
+            <a:r>
+              <a:rPr lang="es-ES" dirty="0" smtClean="0"/>
+              <a:t>Por tanto, </a:t>
+            </a:r>
+            <a:r>
+              <a:rPr lang="es-ES" dirty="0" smtClean="0"/>
+              <a:t>tienen funcionalidades similares:	</a:t>
             </a:r>
           </a:p>
           <a:p>
@@ -4428,6 +4526,7 @@
           <a:bodyPr/>
           <a:lstStyle/>
           <a:p>
+            <a:pPr algn="ctr"/>
             <a:r>
               <a:rPr lang="es-ES" dirty="0" smtClean="0"/>
               <a:t>Diagrama de clases</a:t>
@@ -4517,9 +4616,18 @@
           <a:bodyPr/>
           <a:lstStyle/>
           <a:p>
-            <a:r>
-              <a:rPr lang="es-ES" dirty="0" smtClean="0"/>
-              <a:t>Métodos mas interesantes</a:t>
+            <a:pPr algn="ctr"/>
+            <a:r>
+              <a:rPr lang="es-ES" dirty="0" smtClean="0"/>
+              <a:t>Métodos </a:t>
+            </a:r>
+            <a:r>
+              <a:rPr lang="es-ES" dirty="0" smtClean="0"/>
+              <a:t>más </a:t>
+            </a:r>
+            <a:r>
+              <a:rPr lang="es-ES" dirty="0" smtClean="0"/>
+              <a:t>interesantes</a:t>
             </a:r>
             <a:endParaRPr lang="es-ES" dirty="0"/>
           </a:p>
@@ -4601,6 +4709,65 @@
     <p:extLst>
       <p:ext uri="{BB962C8B-B14F-4D97-AF65-F5344CB8AC3E}">
         <p14:creationId xmlns:p14="http://schemas.microsoft.com/office/powerpoint/2010/main" val="3197108404"/>
+      </p:ext>
+    </p:extLst>
+  </p:cSld>
+  <p:clrMapOvr>
+    <a:masterClrMapping/>
+  </p:clrMapOvr>
+</p:sld>
+</file>
+
+<file path=ppt/slides/slide8.xml><?xml version="1.0" encoding="utf-8"?>
+<p:sld xmlns:a="http://schemas.openxmlformats.org/drawingml/2006/main" xmlns:r="http://schemas.openxmlformats.org/officeDocument/2006/relationships" xmlns:p="http://schemas.openxmlformats.org/presentationml/2006/main">
+  <p:cSld>
+    <p:spTree>
+      <p:nvGrpSpPr>
+        <p:cNvPr id="1" name=""/>
+        <p:cNvGrpSpPr/>
+        <p:nvPr/>
+      </p:nvGrpSpPr>
+      <p:grpSpPr>
+        <a:xfrm>
+          <a:off x="0" y="0"/>
+          <a:ext cx="0" cy="0"/>
+          <a:chOff x="0" y="0"/>
+          <a:chExt cx="0" cy="0"/>
+        </a:xfrm>
+      </p:grpSpPr>
+      <p:pic>
+        <p:nvPicPr>
+          <p:cNvPr id="4" name="Marcador de contenido 3"/>
+          <p:cNvPicPr>
+            <a:picLocks noGrp="1" noChangeAspect="1"/>
+          </p:cNvPicPr>
+          <p:nvPr>
+            <p:ph idx="1"/>
+          </p:nvPr>
+        </p:nvPicPr>
+        <p:blipFill>
+          <a:blip r:embed="rId2">
+            <a:extLst>
+              <a:ext uri="{28A0092B-C50C-407E-A947-70E740481C1C}">
+                <a14:useLocalDpi xmlns:a14="http://schemas.microsoft.com/office/drawing/2010/main" val="0"/>
+              </a:ext>
+            </a:extLst>
+          </a:blip>
+          <a:stretch>
+            <a:fillRect/>
+          </a:stretch>
+        </p:blipFill>
+        <p:spPr>
+          <a:xfrm>
+            <a:off x="2011187" y="972263"/>
+            <a:ext cx="8954871" cy="5003534"/>
+          </a:xfrm>
+        </p:spPr>
+      </p:pic>
+    </p:spTree>
+    <p:extLst>
+      <p:ext uri="{BB962C8B-B14F-4D97-AF65-F5344CB8AC3E}">
+        <p14:creationId xmlns:p14="http://schemas.microsoft.com/office/powerpoint/2010/main" val="3237335586"/>
       </p:ext>
     </p:extLst>
   </p:cSld>
